--- a/2019 스크립트 언어 중간발표.pptx
+++ b/2019 스크립트 언어 중간발표.pptx
@@ -15839,7 +15839,11 @@
             </a:r>
             <a:r>
               <a:rPr lang="ko-KR" altLang="en-US" sz="2400" dirty="0"/>
-              <a:t>여기가 어디여</a:t>
+              <a:t>여기가 </a:t>
+            </a:r>
+            <a:r>
+              <a:rPr lang="ko-KR" altLang="en-US" sz="2400" dirty="0" err="1"/>
+              <a:t>어디역</a:t>
             </a:r>
             <a:r>
               <a:rPr lang="en-US" altLang="ko-KR" sz="2400" dirty="0"/>
@@ -16334,7 +16338,7 @@
           <p:nvPr>
             <p:extLst>
               <p:ext uri="{D42A27DB-BD31-4B8C-83A1-F6EECF244321}">
-                <p14:modId xmlns:p14="http://schemas.microsoft.com/office/powerpoint/2010/main" val="218679849"/>
+                <p14:modId xmlns:p14="http://schemas.microsoft.com/office/powerpoint/2010/main" val="19256246"/>
               </p:ext>
             </p:extLst>
           </p:nvPr>
@@ -16961,7 +16965,7 @@
                       </a:pPr>
                       <a:r>
                         <a:rPr lang="en-US" altLang="ko-KR" dirty="0"/>
-                        <a:t>O</a:t>
+                        <a:t>-</a:t>
                       </a:r>
                       <a:endParaRPr lang="ko-KR" altLang="en-US" dirty="0"/>
                     </a:p>
@@ -17029,8 +17033,12 @@
                         <a:defRPr/>
                       </a:pPr>
                       <a:r>
+                        <a:rPr lang="en-US" altLang="ko-KR" dirty="0" err="1"/>
+                        <a:t>Naver</a:t>
+                      </a:r>
+                      <a:r>
                         <a:rPr lang="en-US" altLang="ko-KR" dirty="0"/>
-                        <a:t>Google Map </a:t>
+                        <a:t> Map </a:t>
                       </a:r>
                       <a:r>
                         <a:rPr lang="ko-KR" altLang="en-US" dirty="0"/>
@@ -17048,8 +17056,12 @@
                     <a:p>
                       <a:pPr algn="l" latinLnBrk="1"/>
                       <a:r>
+                        <a:rPr lang="en-US" altLang="ko-KR" dirty="0" err="1"/>
+                        <a:t>Naver</a:t>
+                      </a:r>
+                      <a:r>
                         <a:rPr lang="en-US" altLang="ko-KR" dirty="0"/>
-                        <a:t>Google Map</a:t>
+                        <a:t> Map</a:t>
                       </a:r>
                       <a:r>
                         <a:rPr lang="ko-KR" altLang="en-US" dirty="0"/>
@@ -17083,7 +17095,7 @@
                       </a:pPr>
                       <a:r>
                         <a:rPr lang="en-US" altLang="ko-KR" dirty="0"/>
-                        <a:t>O</a:t>
+                        <a:t>-</a:t>
                       </a:r>
                       <a:endParaRPr lang="ko-KR" altLang="en-US" dirty="0"/>
                     </a:p>
